--- a/Separating concerns with RubigoNavigator, an implementation using Flutter's Navigator 2.0.pptx
+++ b/Separating concerns with RubigoNavigator, an implementation using Flutter's Navigator 2.0.pptx
@@ -241,7 +241,7 @@
           <a:p>
             <a:fld id="{F13C2310-5717-1C4F-9C3C-269F691DDBCC}" type="datetimeFigureOut">
               <a:rPr lang="en-US" smtClean="0"/>
-              <a:t>4/14/21</a:t>
+              <a:t>4/23/21</a:t>
             </a:fld>
             <a:endParaRPr lang="en-US"/>
           </a:p>
@@ -612,7 +612,7 @@
       </p:grpSpPr>
       <p:sp>
         <p:nvSpPr>
-          <p:cNvPr id="2" name="Tijdelijke aanduiding voor dia-afbeelding 1"/>
+          <p:cNvPr id="2" name="Slide Image Placeholder 1"/>
           <p:cNvSpPr>
             <a:spLocks noGrp="1" noRot="1" noChangeAspect="1"/>
           </p:cNvSpPr>
@@ -624,7 +624,7 @@
       </p:sp>
       <p:sp>
         <p:nvSpPr>
-          <p:cNvPr id="3" name="Tijdelijke aanduiding voor notities 2"/>
+          <p:cNvPr id="3" name="Notes Placeholder 2"/>
           <p:cNvSpPr>
             <a:spLocks noGrp="1"/>
           </p:cNvSpPr>
@@ -637,13 +637,13 @@
           <a:bodyPr/>
           <a:lstStyle/>
           <a:p>
-            <a:endParaRPr lang="en-US"/>
+            <a:endParaRPr lang="en-US" dirty="0"/>
           </a:p>
         </p:txBody>
       </p:sp>
       <p:sp>
         <p:nvSpPr>
-          <p:cNvPr id="4" name="Tijdelijke aanduiding voor dianummer 3"/>
+          <p:cNvPr id="4" name="Slide Number Placeholder 3"/>
           <p:cNvSpPr>
             <a:spLocks noGrp="1"/>
           </p:cNvSpPr>
@@ -658,7 +658,7 @@
           <a:p>
             <a:fld id="{4EC4F25A-6558-1848-9E23-26EB0D60D92A}" type="slidenum">
               <a:rPr lang="en-US" smtClean="0"/>
-              <a:t>7</a:t>
+              <a:t>4</a:t>
             </a:fld>
             <a:endParaRPr lang="en-US"/>
           </a:p>
@@ -667,7 +667,7 @@
     </p:spTree>
     <p:extLst>
       <p:ext uri="{BB962C8B-B14F-4D97-AF65-F5344CB8AC3E}">
-        <p14:creationId xmlns:p14="http://schemas.microsoft.com/office/powerpoint/2010/main" val="1922649390"/>
+        <p14:creationId xmlns:p14="http://schemas.microsoft.com/office/powerpoint/2010/main" val="2735322963"/>
       </p:ext>
     </p:extLst>
   </p:cSld>
@@ -696,7 +696,7 @@
       </p:grpSpPr>
       <p:sp>
         <p:nvSpPr>
-          <p:cNvPr id="2" name="Tijdelijke aanduiding voor dia-afbeelding 1"/>
+          <p:cNvPr id="2" name="Slide Image Placeholder 1"/>
           <p:cNvSpPr>
             <a:spLocks noGrp="1" noRot="1" noChangeAspect="1"/>
           </p:cNvSpPr>
@@ -708,7 +708,7 @@
       </p:sp>
       <p:sp>
         <p:nvSpPr>
-          <p:cNvPr id="3" name="Tijdelijke aanduiding voor notities 2"/>
+          <p:cNvPr id="3" name="Notes Placeholder 2"/>
           <p:cNvSpPr>
             <a:spLocks noGrp="1"/>
           </p:cNvSpPr>
@@ -721,13 +721,13 @@
           <a:bodyPr/>
           <a:lstStyle/>
           <a:p>
-            <a:endParaRPr lang="en-US"/>
+            <a:endParaRPr lang="en-US" dirty="0"/>
           </a:p>
         </p:txBody>
       </p:sp>
       <p:sp>
         <p:nvSpPr>
-          <p:cNvPr id="4" name="Tijdelijke aanduiding voor dianummer 3"/>
+          <p:cNvPr id="4" name="Slide Number Placeholder 3"/>
           <p:cNvSpPr>
             <a:spLocks noGrp="1"/>
           </p:cNvSpPr>
@@ -742,7 +742,7 @@
           <a:p>
             <a:fld id="{4EC4F25A-6558-1848-9E23-26EB0D60D92A}" type="slidenum">
               <a:rPr lang="en-US" smtClean="0"/>
-              <a:t>12</a:t>
+              <a:t>5</a:t>
             </a:fld>
             <a:endParaRPr lang="en-US"/>
           </a:p>
@@ -751,7 +751,7 @@
     </p:spTree>
     <p:extLst>
       <p:ext uri="{BB962C8B-B14F-4D97-AF65-F5344CB8AC3E}">
-        <p14:creationId xmlns:p14="http://schemas.microsoft.com/office/powerpoint/2010/main" val="499369688"/>
+        <p14:creationId xmlns:p14="http://schemas.microsoft.com/office/powerpoint/2010/main" val="915373312"/>
       </p:ext>
     </p:extLst>
   </p:cSld>
@@ -805,6 +805,174 @@
           <a:bodyPr/>
           <a:lstStyle/>
           <a:p>
+            <a:endParaRPr lang="en-US"/>
+          </a:p>
+        </p:txBody>
+      </p:sp>
+      <p:sp>
+        <p:nvSpPr>
+          <p:cNvPr id="4" name="Tijdelijke aanduiding voor dianummer 3"/>
+          <p:cNvSpPr>
+            <a:spLocks noGrp="1"/>
+          </p:cNvSpPr>
+          <p:nvPr>
+            <p:ph type="sldNum" sz="quarter" idx="5"/>
+          </p:nvPr>
+        </p:nvSpPr>
+        <p:spPr/>
+        <p:txBody>
+          <a:bodyPr/>
+          <a:lstStyle/>
+          <a:p>
+            <a:fld id="{4EC4F25A-6558-1848-9E23-26EB0D60D92A}" type="slidenum">
+              <a:rPr lang="en-US" smtClean="0"/>
+              <a:t>7</a:t>
+            </a:fld>
+            <a:endParaRPr lang="en-US"/>
+          </a:p>
+        </p:txBody>
+      </p:sp>
+    </p:spTree>
+    <p:extLst>
+      <p:ext uri="{BB962C8B-B14F-4D97-AF65-F5344CB8AC3E}">
+        <p14:creationId xmlns:p14="http://schemas.microsoft.com/office/powerpoint/2010/main" val="1922649390"/>
+      </p:ext>
+    </p:extLst>
+  </p:cSld>
+  <p:clrMapOvr>
+    <a:masterClrMapping/>
+  </p:clrMapOvr>
+</p:notes>
+</file>
+
+<file path=ppt/notesSlides/notesSlide5.xml><?xml version="1.0" encoding="utf-8"?>
+<p:notes xmlns:a="http://schemas.openxmlformats.org/drawingml/2006/main" xmlns:r="http://schemas.openxmlformats.org/officeDocument/2006/relationships" xmlns:p="http://schemas.openxmlformats.org/presentationml/2006/main">
+  <p:cSld>
+    <p:spTree>
+      <p:nvGrpSpPr>
+        <p:cNvPr id="1" name=""/>
+        <p:cNvGrpSpPr/>
+        <p:nvPr/>
+      </p:nvGrpSpPr>
+      <p:grpSpPr>
+        <a:xfrm>
+          <a:off x="0" y="0"/>
+          <a:ext cx="0" cy="0"/>
+          <a:chOff x="0" y="0"/>
+          <a:chExt cx="0" cy="0"/>
+        </a:xfrm>
+      </p:grpSpPr>
+      <p:sp>
+        <p:nvSpPr>
+          <p:cNvPr id="2" name="Tijdelijke aanduiding voor dia-afbeelding 1"/>
+          <p:cNvSpPr>
+            <a:spLocks noGrp="1" noRot="1" noChangeAspect="1"/>
+          </p:cNvSpPr>
+          <p:nvPr>
+            <p:ph type="sldImg"/>
+          </p:nvPr>
+        </p:nvSpPr>
+        <p:spPr/>
+      </p:sp>
+      <p:sp>
+        <p:nvSpPr>
+          <p:cNvPr id="3" name="Tijdelijke aanduiding voor notities 2"/>
+          <p:cNvSpPr>
+            <a:spLocks noGrp="1"/>
+          </p:cNvSpPr>
+          <p:nvPr>
+            <p:ph type="body" idx="1"/>
+          </p:nvPr>
+        </p:nvSpPr>
+        <p:spPr/>
+        <p:txBody>
+          <a:bodyPr/>
+          <a:lstStyle/>
+          <a:p>
+            <a:endParaRPr lang="en-US"/>
+          </a:p>
+        </p:txBody>
+      </p:sp>
+      <p:sp>
+        <p:nvSpPr>
+          <p:cNvPr id="4" name="Tijdelijke aanduiding voor dianummer 3"/>
+          <p:cNvSpPr>
+            <a:spLocks noGrp="1"/>
+          </p:cNvSpPr>
+          <p:nvPr>
+            <p:ph type="sldNum" sz="quarter" idx="5"/>
+          </p:nvPr>
+        </p:nvSpPr>
+        <p:spPr/>
+        <p:txBody>
+          <a:bodyPr/>
+          <a:lstStyle/>
+          <a:p>
+            <a:fld id="{4EC4F25A-6558-1848-9E23-26EB0D60D92A}" type="slidenum">
+              <a:rPr lang="en-US" smtClean="0"/>
+              <a:t>12</a:t>
+            </a:fld>
+            <a:endParaRPr lang="en-US"/>
+          </a:p>
+        </p:txBody>
+      </p:sp>
+    </p:spTree>
+    <p:extLst>
+      <p:ext uri="{BB962C8B-B14F-4D97-AF65-F5344CB8AC3E}">
+        <p14:creationId xmlns:p14="http://schemas.microsoft.com/office/powerpoint/2010/main" val="499369688"/>
+      </p:ext>
+    </p:extLst>
+  </p:cSld>
+  <p:clrMapOvr>
+    <a:masterClrMapping/>
+  </p:clrMapOvr>
+</p:notes>
+</file>
+
+<file path=ppt/notesSlides/notesSlide6.xml><?xml version="1.0" encoding="utf-8"?>
+<p:notes xmlns:a="http://schemas.openxmlformats.org/drawingml/2006/main" xmlns:r="http://schemas.openxmlformats.org/officeDocument/2006/relationships" xmlns:p="http://schemas.openxmlformats.org/presentationml/2006/main">
+  <p:cSld>
+    <p:spTree>
+      <p:nvGrpSpPr>
+        <p:cNvPr id="1" name=""/>
+        <p:cNvGrpSpPr/>
+        <p:nvPr/>
+      </p:nvGrpSpPr>
+      <p:grpSpPr>
+        <a:xfrm>
+          <a:off x="0" y="0"/>
+          <a:ext cx="0" cy="0"/>
+          <a:chOff x="0" y="0"/>
+          <a:chExt cx="0" cy="0"/>
+        </a:xfrm>
+      </p:grpSpPr>
+      <p:sp>
+        <p:nvSpPr>
+          <p:cNvPr id="2" name="Tijdelijke aanduiding voor dia-afbeelding 1"/>
+          <p:cNvSpPr>
+            <a:spLocks noGrp="1" noRot="1" noChangeAspect="1"/>
+          </p:cNvSpPr>
+          <p:nvPr>
+            <p:ph type="sldImg"/>
+          </p:nvPr>
+        </p:nvSpPr>
+        <p:spPr/>
+      </p:sp>
+      <p:sp>
+        <p:nvSpPr>
+          <p:cNvPr id="3" name="Tijdelijke aanduiding voor notities 2"/>
+          <p:cNvSpPr>
+            <a:spLocks noGrp="1"/>
+          </p:cNvSpPr>
+          <p:nvPr>
+            <p:ph type="body" idx="1"/>
+          </p:nvPr>
+        </p:nvSpPr>
+        <p:spPr/>
+        <p:txBody>
+          <a:bodyPr/>
+          <a:lstStyle/>
+          <a:p>
             <a:r>
               <a:rPr lang="en-US" sz="1800" dirty="0"/>
               <a:t>Show the source, demo the app. Investigate the output on the console see what's happening behind the scenes.</a:t>
@@ -1932,7 +2100,7 @@
 </p:notes>
 </file>
 
-<file path=ppt/notesSlides/notesSlide5.xml><?xml version="1.0" encoding="utf-8"?>
+<file path=ppt/notesSlides/notesSlide7.xml><?xml version="1.0" encoding="utf-8"?>
 <p:notes xmlns:a="http://schemas.openxmlformats.org/drawingml/2006/main" xmlns:r="http://schemas.openxmlformats.org/officeDocument/2006/relationships" xmlns:p="http://schemas.openxmlformats.org/presentationml/2006/main">
   <p:cSld>
     <p:spTree>
@@ -3146,7 +3314,7 @@
           <a:p>
             <a:fld id="{2E5060F1-9357-6A49-A3C5-6555A61C5208}" type="datetimeFigureOut">
               <a:rPr lang="nl-NL" smtClean="0"/>
-              <a:t>14-04-2021</a:t>
+              <a:t>23-04-2021</a:t>
             </a:fld>
             <a:endParaRPr lang="nl-NL"/>
           </a:p>
@@ -3525,7 +3693,7 @@
           <a:p>
             <a:fld id="{2E5060F1-9357-6A49-A3C5-6555A61C5208}" type="datetimeFigureOut">
               <a:rPr lang="nl-NL" smtClean="0"/>
-              <a:t>14-04-2021</a:t>
+              <a:t>23-04-2021</a:t>
             </a:fld>
             <a:endParaRPr lang="nl-NL"/>
           </a:p>
@@ -3716,7 +3884,7 @@
           <a:p>
             <a:fld id="{2E5060F1-9357-6A49-A3C5-6555A61C5208}" type="datetimeFigureOut">
               <a:rPr lang="nl-NL" smtClean="0"/>
-              <a:t>14-04-2021</a:t>
+              <a:t>23-04-2021</a:t>
             </a:fld>
             <a:endParaRPr lang="nl-NL"/>
           </a:p>
@@ -3907,7 +4075,7 @@
           <a:p>
             <a:fld id="{2E5060F1-9357-6A49-A3C5-6555A61C5208}" type="datetimeFigureOut">
               <a:rPr lang="nl-NL" smtClean="0"/>
-              <a:t>14-04-2021</a:t>
+              <a:t>23-04-2021</a:t>
             </a:fld>
             <a:endParaRPr lang="nl-NL"/>
           </a:p>
@@ -4114,7 +4282,7 @@
           <a:p>
             <a:fld id="{2E5060F1-9357-6A49-A3C5-6555A61C5208}" type="datetimeFigureOut">
               <a:rPr lang="nl-NL" smtClean="0"/>
-              <a:t>14-04-2021</a:t>
+              <a:t>23-04-2021</a:t>
             </a:fld>
             <a:endParaRPr lang="nl-NL"/>
           </a:p>
@@ -4300,7 +4468,7 @@
           <a:p>
             <a:fld id="{2E5060F1-9357-6A49-A3C5-6555A61C5208}" type="datetimeFigureOut">
               <a:rPr lang="nl-NL" smtClean="0"/>
-              <a:t>14-04-2021</a:t>
+              <a:t>23-04-2021</a:t>
             </a:fld>
             <a:endParaRPr lang="nl-NL"/>
           </a:p>
@@ -4555,7 +4723,7 @@
           <a:p>
             <a:fld id="{2E5060F1-9357-6A49-A3C5-6555A61C5208}" type="datetimeFigureOut">
               <a:rPr lang="nl-NL" smtClean="0"/>
-              <a:t>14-04-2021</a:t>
+              <a:t>23-04-2021</a:t>
             </a:fld>
             <a:endParaRPr lang="nl-NL"/>
           </a:p>
@@ -4803,7 +4971,7 @@
           <a:p>
             <a:fld id="{2E5060F1-9357-6A49-A3C5-6555A61C5208}" type="datetimeFigureOut">
               <a:rPr lang="nl-NL" smtClean="0"/>
-              <a:t>14-04-2021</a:t>
+              <a:t>23-04-2021</a:t>
             </a:fld>
             <a:endParaRPr lang="nl-NL"/>
           </a:p>
@@ -5181,7 +5349,7 @@
           <a:p>
             <a:fld id="{2E5060F1-9357-6A49-A3C5-6555A61C5208}" type="datetimeFigureOut">
               <a:rPr lang="nl-NL" smtClean="0"/>
-              <a:t>14-04-2021</a:t>
+              <a:t>23-04-2021</a:t>
             </a:fld>
             <a:endParaRPr lang="nl-NL"/>
           </a:p>
@@ -5315,7 +5483,7 @@
           <a:p>
             <a:fld id="{2E5060F1-9357-6A49-A3C5-6555A61C5208}" type="datetimeFigureOut">
               <a:rPr lang="nl-NL" smtClean="0"/>
-              <a:t>14-04-2021</a:t>
+              <a:t>23-04-2021</a:t>
             </a:fld>
             <a:endParaRPr lang="nl-NL"/>
           </a:p>
@@ -5418,7 +5586,7 @@
           <a:p>
             <a:fld id="{2E5060F1-9357-6A49-A3C5-6555A61C5208}" type="datetimeFigureOut">
               <a:rPr lang="nl-NL" smtClean="0"/>
-              <a:t>14-04-2021</a:t>
+              <a:t>23-04-2021</a:t>
             </a:fld>
             <a:endParaRPr lang="nl-NL"/>
           </a:p>
@@ -5706,7 +5874,7 @@
           <a:p>
             <a:fld id="{2E5060F1-9357-6A49-A3C5-6555A61C5208}" type="datetimeFigureOut">
               <a:rPr lang="nl-NL" smtClean="0"/>
-              <a:t>14-04-2021</a:t>
+              <a:t>23-04-2021</a:t>
             </a:fld>
             <a:endParaRPr lang="nl-NL"/>
           </a:p>
@@ -5887,7 +6055,7 @@
           <a:p>
             <a:fld id="{2E5060F1-9357-6A49-A3C5-6555A61C5208}" type="datetimeFigureOut">
               <a:rPr lang="nl-NL" smtClean="0"/>
-              <a:t>14-04-2021</a:t>
+              <a:t>23-04-2021</a:t>
             </a:fld>
             <a:endParaRPr lang="nl-NL"/>
           </a:p>
@@ -8920,49 +9088,32 @@
       </p:sp>
       <p:pic>
         <p:nvPicPr>
-          <p:cNvPr id="1026" name="Picture 2">
+          <p:cNvPr id="3" name="Picture 2" descr="A large container ship on a beach&#10;&#10;Description automatically generated with low confidence">
             <a:extLst>
               <a:ext uri="{FF2B5EF4-FFF2-40B4-BE49-F238E27FC236}">
-                <a16:creationId xmlns:a16="http://schemas.microsoft.com/office/drawing/2014/main" id="{CC9713B3-19F1-4C42-BCE1-54479BB7AFE0}"/>
+                <a16:creationId xmlns:a16="http://schemas.microsoft.com/office/drawing/2014/main" id="{090019EA-86B2-8D42-88F5-9AC2355CB9D0}"/>
               </a:ext>
             </a:extLst>
           </p:cNvPr>
           <p:cNvPicPr>
-            <a:picLocks noChangeAspect="1" noChangeArrowheads="1"/>
+            <a:picLocks noChangeAspect="1"/>
           </p:cNvPicPr>
           <p:nvPr/>
         </p:nvPicPr>
         <p:blipFill>
-          <a:blip r:embed="rId3">
-            <a:extLst>
-              <a:ext uri="{28A0092B-C50C-407E-A947-70E740481C1C}">
-                <a14:useLocalDpi xmlns:a14="http://schemas.microsoft.com/office/drawing/2010/main" val="0"/>
-              </a:ext>
-            </a:extLst>
-          </a:blip>
-          <a:srcRect/>
+          <a:blip r:embed="rId3"/>
           <a:stretch>
             <a:fillRect/>
           </a:stretch>
         </p:blipFill>
-        <p:spPr bwMode="auto">
+        <p:spPr>
           <a:xfrm>
-            <a:off x="2032000" y="1685563"/>
-            <a:ext cx="5080000" cy="4051300"/>
+            <a:off x="1884668" y="2085334"/>
+            <a:ext cx="5374664" cy="2687332"/>
           </a:xfrm>
           <a:prstGeom prst="rect">
             <a:avLst/>
           </a:prstGeom>
-          <a:noFill/>
-          <a:extLst>
-            <a:ext uri="{909E8E84-426E-40DD-AFC4-6F175D3DCCD1}">
-              <a14:hiddenFill xmlns:a14="http://schemas.microsoft.com/office/drawing/2010/main">
-                <a:solidFill>
-                  <a:srgbClr val="FFFFFF"/>
-                </a:solidFill>
-              </a14:hiddenFill>
-            </a:ext>
-          </a:extLst>
         </p:spPr>
       </p:pic>
     </p:spTree>
@@ -9723,61 +9874,12 @@
           </a:p>
         </p:txBody>
       </p:sp>
-      <p:sp>
-        <p:nvSpPr>
-          <p:cNvPr id="15" name="Pijl links 14">
+      <p:grpSp>
+        <p:nvGrpSpPr>
+          <p:cNvPr id="2" name="Group 1">
             <a:extLst>
               <a:ext uri="{FF2B5EF4-FFF2-40B4-BE49-F238E27FC236}">
-                <a16:creationId xmlns:a16="http://schemas.microsoft.com/office/drawing/2014/main" id="{0B6D5F44-BB2B-8745-8B29-6CF11E05C5F7}"/>
-              </a:ext>
-            </a:extLst>
-          </p:cNvPr>
-          <p:cNvSpPr/>
-          <p:nvPr/>
-        </p:nvSpPr>
-        <p:spPr>
-          <a:xfrm rot="5400000">
-            <a:off x="2256741" y="4381681"/>
-            <a:ext cx="367853" cy="161724"/>
-          </a:xfrm>
-          <a:prstGeom prst="rightArrow">
-            <a:avLst/>
-          </a:prstGeom>
-          <a:solidFill>
-            <a:srgbClr val="FF0000"/>
-          </a:solidFill>
-        </p:spPr>
-        <p:style>
-          <a:lnRef idx="2">
-            <a:schemeClr val="accent1">
-              <a:shade val="50000"/>
-            </a:schemeClr>
-          </a:lnRef>
-          <a:fillRef idx="1">
-            <a:schemeClr val="accent1"/>
-          </a:fillRef>
-          <a:effectRef idx="0">
-            <a:schemeClr val="accent1"/>
-          </a:effectRef>
-          <a:fontRef idx="minor">
-            <a:schemeClr val="lt1"/>
-          </a:fontRef>
-        </p:style>
-        <p:txBody>
-          <a:bodyPr rtlCol="0" anchor="ctr"/>
-          <a:lstStyle/>
-          <a:p>
-            <a:pPr algn="ctr"/>
-            <a:endParaRPr lang="en-US" sz="1350"/>
-          </a:p>
-        </p:txBody>
-      </p:sp>
-      <p:grpSp>
-        <p:nvGrpSpPr>
-          <p:cNvPr id="16" name="Groep 15">
-            <a:extLst>
-              <a:ext uri="{FF2B5EF4-FFF2-40B4-BE49-F238E27FC236}">
-                <a16:creationId xmlns:a16="http://schemas.microsoft.com/office/drawing/2014/main" id="{9F4B9EE8-184A-664B-A8B5-0D24B99DEB35}"/>
+                <a16:creationId xmlns:a16="http://schemas.microsoft.com/office/drawing/2014/main" id="{DD54CE5F-4406-9544-B942-4C7F7F65AAFD}"/>
               </a:ext>
             </a:extLst>
           </p:cNvPr>
@@ -9788,119 +9890,189 @@
           <a:xfrm>
             <a:off x="2292713" y="4274197"/>
             <a:ext cx="1486304" cy="1246345"/>
-            <a:chOff x="3056949" y="4555929"/>
-            <a:chExt cx="1981740" cy="1661792"/>
+            <a:chOff x="2292713" y="4274197"/>
+            <a:chExt cx="1486304" cy="1246345"/>
           </a:xfrm>
         </p:grpSpPr>
-        <p:pic>
-          <p:nvPicPr>
-            <p:cNvPr id="17" name="Graphic 16" descr="Downloaden uit de cloud met effen opvulling">
+        <p:grpSp>
+          <p:nvGrpSpPr>
+            <p:cNvPr id="16" name="Groep 15">
               <a:extLst>
                 <a:ext uri="{FF2B5EF4-FFF2-40B4-BE49-F238E27FC236}">
-                  <a16:creationId xmlns:a16="http://schemas.microsoft.com/office/drawing/2014/main" id="{A87F04B3-2E22-0D48-A0FC-258F557185A9}"/>
+                  <a16:creationId xmlns:a16="http://schemas.microsoft.com/office/drawing/2014/main" id="{9F4B9EE8-184A-664B-A8B5-0D24B99DEB35}"/>
                 </a:ext>
               </a:extLst>
             </p:cNvPr>
-            <p:cNvPicPr>
-              <a:picLocks noChangeAspect="1"/>
-            </p:cNvPicPr>
+            <p:cNvGrpSpPr/>
             <p:nvPr/>
-          </p:nvPicPr>
-          <p:blipFill>
-            <a:blip r:embed="rId2">
-              <a:extLst>
-                <a:ext uri="{96DAC541-7B7A-43D3-8B79-37D633B846F1}">
-                  <asvg:svgBlip xmlns:asvg="http://schemas.microsoft.com/office/drawing/2016/SVG/main" r:embed="rId3"/>
-                </a:ext>
-              </a:extLst>
-            </a:blip>
-            <a:stretch>
-              <a:fillRect/>
-            </a:stretch>
-          </p:blipFill>
-          <p:spPr>
+          </p:nvGrpSpPr>
+          <p:grpSpPr>
             <a:xfrm>
-              <a:off x="3111358" y="4933989"/>
-              <a:ext cx="914400" cy="914400"/>
+              <a:off x="2292713" y="4274197"/>
+              <a:ext cx="1486304" cy="1246345"/>
+              <a:chOff x="3056949" y="4555929"/>
+              <a:chExt cx="1981740" cy="1661792"/>
             </a:xfrm>
-            <a:prstGeom prst="rect">
-              <a:avLst/>
-            </a:prstGeom>
-          </p:spPr>
-        </p:pic>
-        <p:sp>
-          <p:nvSpPr>
-            <p:cNvPr id="18" name="Tekstvak 17">
-              <a:extLst>
-                <a:ext uri="{FF2B5EF4-FFF2-40B4-BE49-F238E27FC236}">
-                  <a16:creationId xmlns:a16="http://schemas.microsoft.com/office/drawing/2014/main" id="{D8D9CE5C-90B3-ED43-BEBF-F95FF3FD18AC}"/>
-                </a:ext>
-              </a:extLst>
-            </p:cNvPr>
-            <p:cNvSpPr txBox="1"/>
-            <p:nvPr/>
-          </p:nvSpPr>
-          <p:spPr>
-            <a:xfrm>
-              <a:off x="3056949" y="5663724"/>
-              <a:ext cx="1981740" cy="553997"/>
-            </a:xfrm>
-            <a:prstGeom prst="rect">
-              <a:avLst/>
-            </a:prstGeom>
-            <a:noFill/>
-          </p:spPr>
-          <p:txBody>
-            <a:bodyPr wrap="none" rtlCol="0">
-              <a:spAutoFit/>
-            </a:bodyPr>
-            <a:lstStyle/>
-            <a:p>
-              <a:r>
-                <a:rPr lang="en-US" sz="1050" dirty="0">
+          </p:grpSpPr>
+          <p:pic>
+            <p:nvPicPr>
+              <p:cNvPr id="17" name="Graphic 16" descr="Downloaden uit de cloud met effen opvulling">
+                <a:extLst>
+                  <a:ext uri="{FF2B5EF4-FFF2-40B4-BE49-F238E27FC236}">
+                    <a16:creationId xmlns:a16="http://schemas.microsoft.com/office/drawing/2014/main" id="{A87F04B3-2E22-0D48-A0FC-258F557185A9}"/>
+                  </a:ext>
+                </a:extLst>
+              </p:cNvPr>
+              <p:cNvPicPr>
+                <a:picLocks noChangeAspect="1"/>
+              </p:cNvPicPr>
+              <p:nvPr/>
+            </p:nvPicPr>
+            <p:blipFill>
+              <a:blip r:embed="rId3">
+                <a:extLst>
+                  <a:ext uri="{96DAC541-7B7A-43D3-8B79-37D633B846F1}">
+                    <asvg:svgBlip xmlns:asvg="http://schemas.microsoft.com/office/drawing/2016/SVG/main" r:embed="rId4"/>
+                  </a:ext>
+                </a:extLst>
+              </a:blip>
+              <a:stretch>
+                <a:fillRect/>
+              </a:stretch>
+            </p:blipFill>
+            <p:spPr>
+              <a:xfrm>
+                <a:off x="3111358" y="4933989"/>
+                <a:ext cx="914400" cy="914400"/>
+              </a:xfrm>
+              <a:prstGeom prst="rect">
+                <a:avLst/>
+              </a:prstGeom>
+            </p:spPr>
+          </p:pic>
+          <p:sp>
+            <p:nvSpPr>
+              <p:cNvPr id="18" name="Tekstvak 17">
+                <a:extLst>
+                  <a:ext uri="{FF2B5EF4-FFF2-40B4-BE49-F238E27FC236}">
+                    <a16:creationId xmlns:a16="http://schemas.microsoft.com/office/drawing/2014/main" id="{D8D9CE5C-90B3-ED43-BEBF-F95FF3FD18AC}"/>
+                  </a:ext>
+                </a:extLst>
+              </p:cNvPr>
+              <p:cNvSpPr txBox="1"/>
+              <p:nvPr/>
+            </p:nvSpPr>
+            <p:spPr>
+              <a:xfrm>
+                <a:off x="3056949" y="5663724"/>
+                <a:ext cx="1981740" cy="553997"/>
+              </a:xfrm>
+              <a:prstGeom prst="rect">
+                <a:avLst/>
+              </a:prstGeom>
+              <a:noFill/>
+            </p:spPr>
+            <p:txBody>
+              <a:bodyPr wrap="none" rtlCol="0">
+                <a:spAutoFit/>
+              </a:bodyPr>
+              <a:lstStyle/>
+              <a:p>
+                <a:r>
+                  <a:rPr lang="en-US" sz="1050" dirty="0">
+                    <a:solidFill>
+                      <a:schemeClr val="accent1">
+                        <a:lumMod val="50000"/>
+                      </a:schemeClr>
+                    </a:solidFill>
+                  </a:rPr>
+                  <a:t>WS01</a:t>
+                </a:r>
+                <a:br>
+                  <a:rPr lang="en-US" sz="1050" dirty="0">
+                    <a:solidFill>
+                      <a:schemeClr val="accent1">
+                        <a:lumMod val="50000"/>
+                      </a:schemeClr>
+                    </a:solidFill>
+                  </a:rPr>
+                </a:br>
+                <a:r>
+                  <a:rPr lang="en-US" sz="1050" dirty="0" err="1">
+                    <a:solidFill>
+                      <a:schemeClr val="accent1">
+                        <a:lumMod val="50000"/>
+                      </a:schemeClr>
+                    </a:solidFill>
+                  </a:rPr>
+                  <a:t>GetQualityControlItems</a:t>
+                </a:r>
+                <a:endParaRPr lang="en-US" sz="1050" dirty="0">
                   <a:solidFill>
                     <a:schemeClr val="accent1">
                       <a:lumMod val="50000"/>
                     </a:schemeClr>
                   </a:solidFill>
-                </a:rPr>
-                <a:t>WS01</a:t>
-              </a:r>
-              <a:br>
-                <a:rPr lang="en-US" sz="1050" dirty="0">
-                  <a:solidFill>
-                    <a:schemeClr val="accent1">
-                      <a:lumMod val="50000"/>
-                    </a:schemeClr>
-                  </a:solidFill>
-                </a:rPr>
-              </a:br>
-              <a:r>
-                <a:rPr lang="en-US" sz="1050" dirty="0" err="1">
-                  <a:solidFill>
-                    <a:schemeClr val="accent1">
-                      <a:lumMod val="50000"/>
-                    </a:schemeClr>
-                  </a:solidFill>
-                </a:rPr>
-                <a:t>GetQualityControlItems</a:t>
-              </a:r>
-              <a:endParaRPr lang="en-US" sz="1050" dirty="0">
-                <a:solidFill>
-                  <a:schemeClr val="accent1">
-                    <a:lumMod val="50000"/>
-                  </a:schemeClr>
-                </a:solidFill>
-              </a:endParaRPr>
-            </a:p>
-          </p:txBody>
-        </p:sp>
+                </a:endParaRPr>
+              </a:p>
+            </p:txBody>
+          </p:sp>
+          <p:sp>
+            <p:nvSpPr>
+              <p:cNvPr id="19" name="Pijl links 18">
+                <a:extLst>
+                  <a:ext uri="{FF2B5EF4-FFF2-40B4-BE49-F238E27FC236}">
+                    <a16:creationId xmlns:a16="http://schemas.microsoft.com/office/drawing/2014/main" id="{ADCE2E87-D5BF-384F-BF88-8FD7EDA15B6E}"/>
+                  </a:ext>
+                </a:extLst>
+              </p:cNvPr>
+              <p:cNvSpPr/>
+              <p:nvPr/>
+            </p:nvSpPr>
+            <p:spPr>
+              <a:xfrm rot="16200000">
+                <a:off x="3587357" y="4693348"/>
+                <a:ext cx="490470" cy="215632"/>
+              </a:xfrm>
+              <a:prstGeom prst="rightArrow">
+                <a:avLst/>
+              </a:prstGeom>
+              <a:solidFill>
+                <a:srgbClr val="FF0000"/>
+              </a:solidFill>
+            </p:spPr>
+            <p:style>
+              <a:lnRef idx="2">
+                <a:schemeClr val="accent1">
+                  <a:shade val="50000"/>
+                </a:schemeClr>
+              </a:lnRef>
+              <a:fillRef idx="1">
+                <a:schemeClr val="accent1"/>
+              </a:fillRef>
+              <a:effectRef idx="0">
+                <a:schemeClr val="accent1"/>
+              </a:effectRef>
+              <a:fontRef idx="minor">
+                <a:schemeClr val="lt1"/>
+              </a:fontRef>
+            </p:style>
+            <p:txBody>
+              <a:bodyPr rtlCol="0" anchor="ctr"/>
+              <a:lstStyle/>
+              <a:p>
+                <a:pPr algn="ctr"/>
+                <a:endParaRPr lang="en-US" sz="1350"/>
+              </a:p>
+            </p:txBody>
+          </p:sp>
+        </p:grpSp>
         <p:sp>
           <p:nvSpPr>
-            <p:cNvPr id="19" name="Pijl links 18">
+            <p:cNvPr id="15" name="Pijl links 14">
               <a:extLst>
                 <a:ext uri="{FF2B5EF4-FFF2-40B4-BE49-F238E27FC236}">
-                  <a16:creationId xmlns:a16="http://schemas.microsoft.com/office/drawing/2014/main" id="{ADCE2E87-D5BF-384F-BF88-8FD7EDA15B6E}"/>
+                  <a16:creationId xmlns:a16="http://schemas.microsoft.com/office/drawing/2014/main" id="{0B6D5F44-BB2B-8745-8B29-6CF11E05C5F7}"/>
                 </a:ext>
               </a:extLst>
             </p:cNvPr>
@@ -9908,9 +10080,9 @@
             <p:nvPr/>
           </p:nvSpPr>
           <p:spPr>
-            <a:xfrm rot="16200000">
-              <a:off x="3587357" y="4693348"/>
-              <a:ext cx="490470" cy="215632"/>
+            <a:xfrm rot="5400000">
+              <a:off x="2256741" y="4381681"/>
+              <a:ext cx="367853" cy="161724"/>
             </a:xfrm>
             <a:prstGeom prst="rightArrow">
               <a:avLst/>
@@ -10029,10 +10201,10 @@
             <p:nvPr/>
           </p:nvPicPr>
           <p:blipFill>
-            <a:blip r:embed="rId4">
+            <a:blip r:embed="rId5">
               <a:extLst>
                 <a:ext uri="{96DAC541-7B7A-43D3-8B79-37D633B846F1}">
-                  <asvg:svgBlip xmlns:asvg="http://schemas.microsoft.com/office/drawing/2016/SVG/main" r:embed="rId5"/>
+                  <asvg:svgBlip xmlns:asvg="http://schemas.microsoft.com/office/drawing/2016/SVG/main" r:embed="rId6"/>
                 </a:ext>
               </a:extLst>
             </a:blip>
@@ -11042,6 +11214,396 @@
   <p:clrMapOvr>
     <a:masterClrMapping/>
   </p:clrMapOvr>
+  <p:timing>
+    <p:tnLst>
+      <p:par>
+        <p:cTn id="1" dur="indefinite" restart="never" nodeType="tmRoot">
+          <p:childTnLst>
+            <p:seq concurrent="1" nextAc="seek">
+              <p:cTn id="2" dur="indefinite" nodeType="mainSeq">
+                <p:childTnLst>
+                  <p:par>
+                    <p:cTn id="3" fill="hold">
+                      <p:stCondLst>
+                        <p:cond delay="indefinite"/>
+                      </p:stCondLst>
+                      <p:childTnLst>
+                        <p:par>
+                          <p:cTn id="4" fill="hold">
+                            <p:stCondLst>
+                              <p:cond delay="0"/>
+                            </p:stCondLst>
+                            <p:childTnLst>
+                              <p:par>
+                                <p:cTn id="5" presetID="1" presetClass="entr" presetSubtype="0" fill="hold" nodeType="clickEffect">
+                                  <p:stCondLst>
+                                    <p:cond delay="0"/>
+                                  </p:stCondLst>
+                                  <p:childTnLst>
+                                    <p:set>
+                                      <p:cBhvr>
+                                        <p:cTn id="6" dur="1" fill="hold">
+                                          <p:stCondLst>
+                                            <p:cond delay="0"/>
+                                          </p:stCondLst>
+                                        </p:cTn>
+                                        <p:tgtEl>
+                                          <p:spTgt spid="2"/>
+                                        </p:tgtEl>
+                                        <p:attrNameLst>
+                                          <p:attrName>style.visibility</p:attrName>
+                                        </p:attrNameLst>
+                                      </p:cBhvr>
+                                      <p:to>
+                                        <p:strVal val="visible"/>
+                                      </p:to>
+                                    </p:set>
+                                  </p:childTnLst>
+                                </p:cTn>
+                              </p:par>
+                            </p:childTnLst>
+                          </p:cTn>
+                        </p:par>
+                      </p:childTnLst>
+                    </p:cTn>
+                  </p:par>
+                  <p:par>
+                    <p:cTn id="7" fill="hold">
+                      <p:stCondLst>
+                        <p:cond delay="indefinite"/>
+                      </p:stCondLst>
+                      <p:childTnLst>
+                        <p:par>
+                          <p:cTn id="8" fill="hold">
+                            <p:stCondLst>
+                              <p:cond delay="0"/>
+                            </p:stCondLst>
+                            <p:childTnLst>
+                              <p:par>
+                                <p:cTn id="9" presetID="1" presetClass="entr" presetSubtype="0" fill="hold" nodeType="clickEffect">
+                                  <p:stCondLst>
+                                    <p:cond delay="0"/>
+                                  </p:stCondLst>
+                                  <p:childTnLst>
+                                    <p:set>
+                                      <p:cBhvr>
+                                        <p:cTn id="10" dur="1" fill="hold">
+                                          <p:stCondLst>
+                                            <p:cond delay="0"/>
+                                          </p:stCondLst>
+                                        </p:cTn>
+                                        <p:tgtEl>
+                                          <p:spTgt spid="21"/>
+                                        </p:tgtEl>
+                                        <p:attrNameLst>
+                                          <p:attrName>style.visibility</p:attrName>
+                                        </p:attrNameLst>
+                                      </p:cBhvr>
+                                      <p:to>
+                                        <p:strVal val="visible"/>
+                                      </p:to>
+                                    </p:set>
+                                  </p:childTnLst>
+                                </p:cTn>
+                              </p:par>
+                            </p:childTnLst>
+                          </p:cTn>
+                        </p:par>
+                      </p:childTnLst>
+                    </p:cTn>
+                  </p:par>
+                  <p:par>
+                    <p:cTn id="11" fill="hold">
+                      <p:stCondLst>
+                        <p:cond delay="indefinite"/>
+                      </p:stCondLst>
+                      <p:childTnLst>
+                        <p:par>
+                          <p:cTn id="12" fill="hold">
+                            <p:stCondLst>
+                              <p:cond delay="0"/>
+                            </p:stCondLst>
+                            <p:childTnLst>
+                              <p:par>
+                                <p:cTn id="13" presetID="1" presetClass="entr" presetSubtype="0" fill="hold" grpId="0" nodeType="clickEffect">
+                                  <p:stCondLst>
+                                    <p:cond delay="0"/>
+                                  </p:stCondLst>
+                                  <p:childTnLst>
+                                    <p:set>
+                                      <p:cBhvr>
+                                        <p:cTn id="14" dur="1" fill="hold">
+                                          <p:stCondLst>
+                                            <p:cond delay="0"/>
+                                          </p:stCondLst>
+                                        </p:cTn>
+                                        <p:tgtEl>
+                                          <p:spTgt spid="14"/>
+                                        </p:tgtEl>
+                                        <p:attrNameLst>
+                                          <p:attrName>style.visibility</p:attrName>
+                                        </p:attrNameLst>
+                                      </p:cBhvr>
+                                      <p:to>
+                                        <p:strVal val="visible"/>
+                                      </p:to>
+                                    </p:set>
+                                  </p:childTnLst>
+                                </p:cTn>
+                              </p:par>
+                            </p:childTnLst>
+                          </p:cTn>
+                        </p:par>
+                      </p:childTnLst>
+                    </p:cTn>
+                  </p:par>
+                  <p:par>
+                    <p:cTn id="15" fill="hold">
+                      <p:stCondLst>
+                        <p:cond delay="indefinite"/>
+                      </p:stCondLst>
+                      <p:childTnLst>
+                        <p:par>
+                          <p:cTn id="16" fill="hold">
+                            <p:stCondLst>
+                              <p:cond delay="0"/>
+                            </p:stCondLst>
+                            <p:childTnLst>
+                              <p:par>
+                                <p:cTn id="17" presetID="1" presetClass="entr" presetSubtype="0" fill="hold" grpId="0" nodeType="clickEffect">
+                                  <p:stCondLst>
+                                    <p:cond delay="0"/>
+                                  </p:stCondLst>
+                                  <p:childTnLst>
+                                    <p:set>
+                                      <p:cBhvr>
+                                        <p:cTn id="18" dur="1" fill="hold">
+                                          <p:stCondLst>
+                                            <p:cond delay="0"/>
+                                          </p:stCondLst>
+                                        </p:cTn>
+                                        <p:tgtEl>
+                                          <p:spTgt spid="20"/>
+                                        </p:tgtEl>
+                                        <p:attrNameLst>
+                                          <p:attrName>style.visibility</p:attrName>
+                                        </p:attrNameLst>
+                                      </p:cBhvr>
+                                      <p:to>
+                                        <p:strVal val="visible"/>
+                                      </p:to>
+                                    </p:set>
+                                  </p:childTnLst>
+                                </p:cTn>
+                              </p:par>
+                              <p:par>
+                                <p:cTn id="19" presetID="1" presetClass="entr" presetSubtype="0" fill="hold" grpId="0" nodeType="withEffect">
+                                  <p:stCondLst>
+                                    <p:cond delay="0"/>
+                                  </p:stCondLst>
+                                  <p:childTnLst>
+                                    <p:set>
+                                      <p:cBhvr>
+                                        <p:cTn id="20" dur="1" fill="hold">
+                                          <p:stCondLst>
+                                            <p:cond delay="0"/>
+                                          </p:stCondLst>
+                                        </p:cTn>
+                                        <p:tgtEl>
+                                          <p:spTgt spid="26"/>
+                                        </p:tgtEl>
+                                        <p:attrNameLst>
+                                          <p:attrName>style.visibility</p:attrName>
+                                        </p:attrNameLst>
+                                      </p:cBhvr>
+                                      <p:to>
+                                        <p:strVal val="visible"/>
+                                      </p:to>
+                                    </p:set>
+                                  </p:childTnLst>
+                                </p:cTn>
+                              </p:par>
+                            </p:childTnLst>
+                          </p:cTn>
+                        </p:par>
+                      </p:childTnLst>
+                    </p:cTn>
+                  </p:par>
+                  <p:par>
+                    <p:cTn id="21" fill="hold">
+                      <p:stCondLst>
+                        <p:cond delay="indefinite"/>
+                      </p:stCondLst>
+                      <p:childTnLst>
+                        <p:par>
+                          <p:cTn id="22" fill="hold">
+                            <p:stCondLst>
+                              <p:cond delay="0"/>
+                            </p:stCondLst>
+                            <p:childTnLst>
+                              <p:par>
+                                <p:cTn id="23" presetID="1" presetClass="entr" presetSubtype="0" fill="hold" grpId="0" nodeType="clickEffect">
+                                  <p:stCondLst>
+                                    <p:cond delay="0"/>
+                                  </p:stCondLst>
+                                  <p:childTnLst>
+                                    <p:set>
+                                      <p:cBhvr>
+                                        <p:cTn id="24" dur="1" fill="hold">
+                                          <p:stCondLst>
+                                            <p:cond delay="0"/>
+                                          </p:stCondLst>
+                                        </p:cTn>
+                                        <p:tgtEl>
+                                          <p:spTgt spid="27"/>
+                                        </p:tgtEl>
+                                        <p:attrNameLst>
+                                          <p:attrName>style.visibility</p:attrName>
+                                        </p:attrNameLst>
+                                      </p:cBhvr>
+                                      <p:to>
+                                        <p:strVal val="visible"/>
+                                      </p:to>
+                                    </p:set>
+                                  </p:childTnLst>
+                                </p:cTn>
+                              </p:par>
+                              <p:par>
+                                <p:cTn id="25" presetID="1" presetClass="entr" presetSubtype="0" fill="hold" grpId="0" nodeType="withEffect">
+                                  <p:stCondLst>
+                                    <p:cond delay="0"/>
+                                  </p:stCondLst>
+                                  <p:childTnLst>
+                                    <p:set>
+                                      <p:cBhvr>
+                                        <p:cTn id="26" dur="1" fill="hold">
+                                          <p:stCondLst>
+                                            <p:cond delay="0"/>
+                                          </p:stCondLst>
+                                        </p:cTn>
+                                        <p:tgtEl>
+                                          <p:spTgt spid="29"/>
+                                        </p:tgtEl>
+                                        <p:attrNameLst>
+                                          <p:attrName>style.visibility</p:attrName>
+                                        </p:attrNameLst>
+                                      </p:cBhvr>
+                                      <p:to>
+                                        <p:strVal val="visible"/>
+                                      </p:to>
+                                    </p:set>
+                                  </p:childTnLst>
+                                </p:cTn>
+                              </p:par>
+                            </p:childTnLst>
+                          </p:cTn>
+                        </p:par>
+                      </p:childTnLst>
+                    </p:cTn>
+                  </p:par>
+                  <p:par>
+                    <p:cTn id="27" fill="hold">
+                      <p:stCondLst>
+                        <p:cond delay="indefinite"/>
+                      </p:stCondLst>
+                      <p:childTnLst>
+                        <p:par>
+                          <p:cTn id="28" fill="hold">
+                            <p:stCondLst>
+                              <p:cond delay="0"/>
+                            </p:stCondLst>
+                            <p:childTnLst>
+                              <p:par>
+                                <p:cTn id="29" presetID="1" presetClass="entr" presetSubtype="0" fill="hold" grpId="0" nodeType="clickEffect">
+                                  <p:stCondLst>
+                                    <p:cond delay="0"/>
+                                  </p:stCondLst>
+                                  <p:childTnLst>
+                                    <p:set>
+                                      <p:cBhvr>
+                                        <p:cTn id="30" dur="1" fill="hold">
+                                          <p:stCondLst>
+                                            <p:cond delay="0"/>
+                                          </p:stCondLst>
+                                        </p:cTn>
+                                        <p:tgtEl>
+                                          <p:spTgt spid="28"/>
+                                        </p:tgtEl>
+                                        <p:attrNameLst>
+                                          <p:attrName>style.visibility</p:attrName>
+                                        </p:attrNameLst>
+                                      </p:cBhvr>
+                                      <p:to>
+                                        <p:strVal val="visible"/>
+                                      </p:to>
+                                    </p:set>
+                                  </p:childTnLst>
+                                </p:cTn>
+                              </p:par>
+                              <p:par>
+                                <p:cTn id="31" presetID="1" presetClass="entr" presetSubtype="0" fill="hold" grpId="0" nodeType="withEffect">
+                                  <p:stCondLst>
+                                    <p:cond delay="0"/>
+                                  </p:stCondLst>
+                                  <p:childTnLst>
+                                    <p:set>
+                                      <p:cBhvr>
+                                        <p:cTn id="32" dur="1" fill="hold">
+                                          <p:stCondLst>
+                                            <p:cond delay="0"/>
+                                          </p:stCondLst>
+                                        </p:cTn>
+                                        <p:tgtEl>
+                                          <p:spTgt spid="30"/>
+                                        </p:tgtEl>
+                                        <p:attrNameLst>
+                                          <p:attrName>style.visibility</p:attrName>
+                                        </p:attrNameLst>
+                                      </p:cBhvr>
+                                      <p:to>
+                                        <p:strVal val="visible"/>
+                                      </p:to>
+                                    </p:set>
+                                  </p:childTnLst>
+                                </p:cTn>
+                              </p:par>
+                            </p:childTnLst>
+                          </p:cTn>
+                        </p:par>
+                      </p:childTnLst>
+                    </p:cTn>
+                  </p:par>
+                </p:childTnLst>
+              </p:cTn>
+              <p:prevCondLst>
+                <p:cond evt="onPrev" delay="0">
+                  <p:tgtEl>
+                    <p:sldTgt/>
+                  </p:tgtEl>
+                </p:cond>
+              </p:prevCondLst>
+              <p:nextCondLst>
+                <p:cond evt="onNext" delay="0">
+                  <p:tgtEl>
+                    <p:sldTgt/>
+                  </p:tgtEl>
+                </p:cond>
+              </p:nextCondLst>
+            </p:seq>
+          </p:childTnLst>
+        </p:cTn>
+      </p:par>
+    </p:tnLst>
+    <p:bldLst>
+      <p:bldP spid="14" grpId="0" animBg="1"/>
+      <p:bldP spid="20" grpId="0" animBg="1"/>
+      <p:bldP spid="26" grpId="0" animBg="1"/>
+      <p:bldP spid="27" grpId="0" animBg="1"/>
+      <p:bldP spid="28" grpId="0" animBg="1"/>
+      <p:bldP spid="29" grpId="0" animBg="1"/>
+      <p:bldP spid="30" grpId="0" animBg="1"/>
+    </p:bldLst>
+  </p:timing>
 </p:sld>
 </file>
 
@@ -11344,10 +11906,10 @@
             <p:nvPr/>
           </p:nvPicPr>
           <p:blipFill>
-            <a:blip r:embed="rId2">
+            <a:blip r:embed="rId3">
               <a:extLst>
                 <a:ext uri="{96DAC541-7B7A-43D3-8B79-37D633B846F1}">
-                  <asvg:svgBlip xmlns:asvg="http://schemas.microsoft.com/office/drawing/2016/SVG/main" r:embed="rId3"/>
+                  <asvg:svgBlip xmlns:asvg="http://schemas.microsoft.com/office/drawing/2016/SVG/main" r:embed="rId4"/>
                 </a:ext>
               </a:extLst>
             </a:blip>

--- a/Separating concerns with RubigoNavigator, an implementation using Flutter's Navigator 2.0.pptx
+++ b/Separating concerns with RubigoNavigator, an implementation using Flutter's Navigator 2.0.pptx
@@ -241,7 +241,7 @@
           <a:p>
             <a:fld id="{F13C2310-5717-1C4F-9C3C-269F691DDBCC}" type="datetimeFigureOut">
               <a:rPr lang="en-US" smtClean="0"/>
-              <a:t>4/23/21</a:t>
+              <a:t>4/28/21</a:t>
             </a:fld>
             <a:endParaRPr lang="en-US"/>
           </a:p>
@@ -2146,7 +2146,16 @@
           <a:p>
             <a:r>
               <a:rPr lang="en-US" dirty="0"/>
-              <a:t>Show the source, demo the app. Investigate the output on the console see what's happening behind the scenes.</a:t>
+              <a:t>Demo the app. Investigate the output on the console see what's happening behind the scenes.</a:t>
+            </a:r>
+          </a:p>
+          <a:p>
+            <a:endParaRPr lang="en-US" dirty="0"/>
+          </a:p>
+          <a:p>
+            <a:r>
+              <a:rPr lang="en-US" dirty="0"/>
+              <a:t>Show the source.</a:t>
             </a:r>
           </a:p>
           <a:p>
@@ -3083,6 +3092,22 @@
           </a:p>
           <a:p>
             <a:r>
+              <a:rPr lang="en-GB" dirty="0" err="1"/>
+              <a:t>ref.watch</a:t>
+            </a:r>
+            <a:r>
+              <a:rPr lang="en-GB" dirty="0"/>
+              <a:t>(</a:t>
+            </a:r>
+            <a:r>
+              <a:rPr lang="en-GB" dirty="0" err="1"/>
+              <a:t>busyServiceProvider</a:t>
+            </a:r>
+            <a:r>
+              <a:rPr lang="en-GB" dirty="0"/>
+              <a:t>)</a:t>
+            </a:r>
+            <a:r>
               <a:rPr lang="en-GB" sz="1200" kern="1200" dirty="0">
                 <a:solidFill>
                   <a:schemeClr val="tx1"/>
@@ -3092,10 +3117,13 @@
                 <a:ea typeface="+mn-ea"/>
                 <a:cs typeface="+mn-cs"/>
               </a:rPr>
-              <a:t>await _</a:t>
-            </a:r>
-            <a:r>
-              <a:rPr lang="en-GB" sz="1200" kern="1200" dirty="0" err="1">
+              <a:t>,</a:t>
+            </a:r>
+            <a:endParaRPr lang="en-GB" dirty="0"/>
+          </a:p>
+          <a:p>
+            <a:r>
+              <a:rPr lang="en-GB" sz="1200" kern="1200" dirty="0">
                 <a:solidFill>
                   <a:schemeClr val="tx1"/>
                 </a:solidFill>
@@ -3104,18 +3132,10 @@
                 <a:ea typeface="+mn-ea"/>
                 <a:cs typeface="+mn-cs"/>
               </a:rPr>
-              <a:t>busyService</a:t>
-            </a:r>
-            <a:r>
-              <a:rPr lang="en-GB" dirty="0" err="1"/>
-              <a:t>.protect</a:t>
-            </a:r>
-            <a:r>
-              <a:rPr lang="en-GB" dirty="0"/>
-              <a:t>(() =&gt; </a:t>
-            </a:r>
-            <a:r>
-              <a:rPr lang="en-GB" sz="1200" kern="1200" dirty="0">
+              <a:t>await _</a:t>
+            </a:r>
+            <a:r>
+              <a:rPr lang="en-GB" sz="1200" kern="1200" dirty="0" err="1">
                 <a:solidFill>
                   <a:schemeClr val="tx1"/>
                 </a:solidFill>
@@ -3124,11 +3144,15 @@
                 <a:ea typeface="+mn-ea"/>
                 <a:cs typeface="+mn-cs"/>
               </a:rPr>
-              <a:t>Future</a:t>
+              <a:t>busyService</a:t>
+            </a:r>
+            <a:r>
+              <a:rPr lang="en-GB" dirty="0" err="1"/>
+              <a:t>.protect</a:t>
             </a:r>
             <a:r>
               <a:rPr lang="en-GB" dirty="0"/>
-              <a:t>&lt;</a:t>
+              <a:t>(() =&gt; </a:t>
             </a:r>
             <a:r>
               <a:rPr lang="en-GB" sz="1200" kern="1200" dirty="0">
@@ -3140,11 +3164,11 @@
                 <a:ea typeface="+mn-ea"/>
                 <a:cs typeface="+mn-cs"/>
               </a:rPr>
-              <a:t>void</a:t>
+              <a:t>Future</a:t>
             </a:r>
             <a:r>
               <a:rPr lang="en-GB" dirty="0"/>
-              <a:t>&gt;.</a:t>
+              <a:t>&lt;</a:t>
             </a:r>
             <a:r>
               <a:rPr lang="en-GB" sz="1200" kern="1200" dirty="0">
@@ -3156,11 +3180,11 @@
                 <a:ea typeface="+mn-ea"/>
                 <a:cs typeface="+mn-cs"/>
               </a:rPr>
-              <a:t>delayed</a:t>
+              <a:t>void</a:t>
             </a:r>
             <a:r>
               <a:rPr lang="en-GB" dirty="0"/>
-              <a:t>(</a:t>
+              <a:t>&gt;.</a:t>
             </a:r>
             <a:r>
               <a:rPr lang="en-GB" sz="1200" kern="1200" dirty="0">
@@ -3172,11 +3196,11 @@
                 <a:ea typeface="+mn-ea"/>
                 <a:cs typeface="+mn-cs"/>
               </a:rPr>
-              <a:t>Duration</a:t>
+              <a:t>delayed</a:t>
             </a:r>
             <a:r>
               <a:rPr lang="en-GB" dirty="0"/>
-              <a:t>(seconds: </a:t>
+              <a:t>(</a:t>
             </a:r>
             <a:r>
               <a:rPr lang="en-GB" sz="1200" kern="1200" dirty="0">
@@ -3188,11 +3212,27 @@
                 <a:ea typeface="+mn-ea"/>
                 <a:cs typeface="+mn-cs"/>
               </a:rPr>
+              <a:t>Duration</a:t>
+            </a:r>
+            <a:r>
+              <a:rPr lang="en-GB" dirty="0"/>
+              <a:t>(seconds: </a:t>
+            </a:r>
+            <a:r>
+              <a:rPr lang="en-GB" sz="1200" kern="1200" dirty="0">
+                <a:solidFill>
+                  <a:schemeClr val="tx1"/>
+                </a:solidFill>
+                <a:effectLst/>
+                <a:latin typeface="+mn-lt"/>
+                <a:ea typeface="+mn-ea"/>
+                <a:cs typeface="+mn-cs"/>
+              </a:rPr>
               <a:t>4</a:t>
             </a:r>
             <a:r>
               <a:rPr lang="en-GB" dirty="0"/>
-              <a:t>)))</a:t>
+              <a:t>),),)</a:t>
             </a:r>
             <a:r>
               <a:rPr lang="en-GB" sz="1200" kern="1200" dirty="0">
@@ -3314,7 +3354,7 @@
           <a:p>
             <a:fld id="{2E5060F1-9357-6A49-A3C5-6555A61C5208}" type="datetimeFigureOut">
               <a:rPr lang="nl-NL" smtClean="0"/>
-              <a:t>23-04-2021</a:t>
+              <a:t>28-04-2021</a:t>
             </a:fld>
             <a:endParaRPr lang="nl-NL"/>
           </a:p>
@@ -3693,7 +3733,7 @@
           <a:p>
             <a:fld id="{2E5060F1-9357-6A49-A3C5-6555A61C5208}" type="datetimeFigureOut">
               <a:rPr lang="nl-NL" smtClean="0"/>
-              <a:t>23-04-2021</a:t>
+              <a:t>28-04-2021</a:t>
             </a:fld>
             <a:endParaRPr lang="nl-NL"/>
           </a:p>
@@ -3884,7 +3924,7 @@
           <a:p>
             <a:fld id="{2E5060F1-9357-6A49-A3C5-6555A61C5208}" type="datetimeFigureOut">
               <a:rPr lang="nl-NL" smtClean="0"/>
-              <a:t>23-04-2021</a:t>
+              <a:t>28-04-2021</a:t>
             </a:fld>
             <a:endParaRPr lang="nl-NL"/>
           </a:p>
@@ -4075,7 +4115,7 @@
           <a:p>
             <a:fld id="{2E5060F1-9357-6A49-A3C5-6555A61C5208}" type="datetimeFigureOut">
               <a:rPr lang="nl-NL" smtClean="0"/>
-              <a:t>23-04-2021</a:t>
+              <a:t>28-04-2021</a:t>
             </a:fld>
             <a:endParaRPr lang="nl-NL"/>
           </a:p>
@@ -4282,7 +4322,7 @@
           <a:p>
             <a:fld id="{2E5060F1-9357-6A49-A3C5-6555A61C5208}" type="datetimeFigureOut">
               <a:rPr lang="nl-NL" smtClean="0"/>
-              <a:t>23-04-2021</a:t>
+              <a:t>28-04-2021</a:t>
             </a:fld>
             <a:endParaRPr lang="nl-NL"/>
           </a:p>
@@ -4468,7 +4508,7 @@
           <a:p>
             <a:fld id="{2E5060F1-9357-6A49-A3C5-6555A61C5208}" type="datetimeFigureOut">
               <a:rPr lang="nl-NL" smtClean="0"/>
-              <a:t>23-04-2021</a:t>
+              <a:t>28-04-2021</a:t>
             </a:fld>
             <a:endParaRPr lang="nl-NL"/>
           </a:p>
@@ -4723,7 +4763,7 @@
           <a:p>
             <a:fld id="{2E5060F1-9357-6A49-A3C5-6555A61C5208}" type="datetimeFigureOut">
               <a:rPr lang="nl-NL" smtClean="0"/>
-              <a:t>23-04-2021</a:t>
+              <a:t>28-04-2021</a:t>
             </a:fld>
             <a:endParaRPr lang="nl-NL"/>
           </a:p>
@@ -4971,7 +5011,7 @@
           <a:p>
             <a:fld id="{2E5060F1-9357-6A49-A3C5-6555A61C5208}" type="datetimeFigureOut">
               <a:rPr lang="nl-NL" smtClean="0"/>
-              <a:t>23-04-2021</a:t>
+              <a:t>28-04-2021</a:t>
             </a:fld>
             <a:endParaRPr lang="nl-NL"/>
           </a:p>
@@ -5349,7 +5389,7 @@
           <a:p>
             <a:fld id="{2E5060F1-9357-6A49-A3C5-6555A61C5208}" type="datetimeFigureOut">
               <a:rPr lang="nl-NL" smtClean="0"/>
-              <a:t>23-04-2021</a:t>
+              <a:t>28-04-2021</a:t>
             </a:fld>
             <a:endParaRPr lang="nl-NL"/>
           </a:p>
@@ -5483,7 +5523,7 @@
           <a:p>
             <a:fld id="{2E5060F1-9357-6A49-A3C5-6555A61C5208}" type="datetimeFigureOut">
               <a:rPr lang="nl-NL" smtClean="0"/>
-              <a:t>23-04-2021</a:t>
+              <a:t>28-04-2021</a:t>
             </a:fld>
             <a:endParaRPr lang="nl-NL"/>
           </a:p>
@@ -5586,7 +5626,7 @@
           <a:p>
             <a:fld id="{2E5060F1-9357-6A49-A3C5-6555A61C5208}" type="datetimeFigureOut">
               <a:rPr lang="nl-NL" smtClean="0"/>
-              <a:t>23-04-2021</a:t>
+              <a:t>28-04-2021</a:t>
             </a:fld>
             <a:endParaRPr lang="nl-NL"/>
           </a:p>
@@ -5874,7 +5914,7 @@
           <a:p>
             <a:fld id="{2E5060F1-9357-6A49-A3C5-6555A61C5208}" type="datetimeFigureOut">
               <a:rPr lang="nl-NL" smtClean="0"/>
-              <a:t>23-04-2021</a:t>
+              <a:t>28-04-2021</a:t>
             </a:fld>
             <a:endParaRPr lang="nl-NL"/>
           </a:p>
@@ -6055,7 +6095,7 @@
           <a:p>
             <a:fld id="{2E5060F1-9357-6A49-A3C5-6555A61C5208}" type="datetimeFigureOut">
               <a:rPr lang="nl-NL" smtClean="0"/>
-              <a:t>23-04-2021</a:t>
+              <a:t>28-04-2021</a:t>
             </a:fld>
             <a:endParaRPr lang="nl-NL"/>
           </a:p>
@@ -6853,7 +6893,7 @@
           <a:p>
             <a:r>
               <a:rPr lang="en-US" dirty="0"/>
-              <a:t>an implementation using Flutter's Navigator 2.0</a:t>
+              <a:t>an opinionated navigator using Flutter's Navigator 2.0</a:t>
             </a:r>
           </a:p>
         </p:txBody>
@@ -9169,7 +9209,7 @@
           <a:p>
             <a:r>
               <a:rPr lang="en-US" dirty="0"/>
-              <a:t>Table of contents</a:t>
+              <a:t>Agenda</a:t>
             </a:r>
           </a:p>
         </p:txBody>
@@ -9206,7 +9246,7 @@
             </a:pPr>
             <a:r>
               <a:rPr lang="en-US" dirty="0"/>
-              <a:t>A sample app, to demonstrate the use case of this navigator.</a:t>
+              <a:t>Designing a sample app, to show the use case of this navigator.</a:t>
             </a:r>
           </a:p>
           <a:p>
